--- a/Sales_Prediction_PPT.pptx
+++ b/Sales_Prediction_PPT.pptx
@@ -5,15 +5,16 @@
     <p:sldMasterId id="2147483660" r:id="rId1"/>
   </p:sldMasterIdLst>
   <p:notesMasterIdLst>
-    <p:notesMasterId r:id="rId8"/>
+    <p:notesMasterId r:id="rId9"/>
   </p:notesMasterIdLst>
   <p:sldIdLst>
     <p:sldId id="256" r:id="rId2"/>
     <p:sldId id="261" r:id="rId3"/>
     <p:sldId id="257" r:id="rId4"/>
-    <p:sldId id="258" r:id="rId5"/>
-    <p:sldId id="260" r:id="rId6"/>
-    <p:sldId id="263" r:id="rId7"/>
+    <p:sldId id="264" r:id="rId5"/>
+    <p:sldId id="258" r:id="rId6"/>
+    <p:sldId id="260" r:id="rId7"/>
+    <p:sldId id="263" r:id="rId8"/>
   </p:sldIdLst>
   <p:sldSz cx="12192000" cy="6858000"/>
   <p:notesSz cx="6858000" cy="9144000"/>
@@ -534,7 +535,175 @@
           <a:p>
             <a:fld id="{6F2808A1-7FB0-8F49-B170-232F56A12191}" type="slidenum">
               <a:rPr lang="en-US" smtClean="0"/>
-              <a:t>5</a:t>
+              <a:t>1</a:t>
+            </a:fld>
+            <a:endParaRPr lang="en-US"/>
+          </a:p>
+        </p:txBody>
+      </p:sp>
+    </p:spTree>
+    <p:extLst>
+      <p:ext uri="{BB962C8B-B14F-4D97-AF65-F5344CB8AC3E}">
+        <p14:creationId xmlns:p14="http://schemas.microsoft.com/office/powerpoint/2010/main" val="1655257831"/>
+      </p:ext>
+    </p:extLst>
+  </p:cSld>
+  <p:clrMapOvr>
+    <a:masterClrMapping/>
+  </p:clrMapOvr>
+</p:notes>
+</file>
+
+<file path=ppt/notesSlides/notesSlide2.xml><?xml version="1.0" encoding="utf-8"?>
+<p:notes xmlns:a="http://schemas.openxmlformats.org/drawingml/2006/main" xmlns:r="http://schemas.openxmlformats.org/officeDocument/2006/relationships" xmlns:p="http://schemas.openxmlformats.org/presentationml/2006/main">
+  <p:cSld>
+    <p:spTree>
+      <p:nvGrpSpPr>
+        <p:cNvPr id="1" name=""/>
+        <p:cNvGrpSpPr/>
+        <p:nvPr/>
+      </p:nvGrpSpPr>
+      <p:grpSpPr>
+        <a:xfrm>
+          <a:off x="0" y="0"/>
+          <a:ext cx="0" cy="0"/>
+          <a:chOff x="0" y="0"/>
+          <a:chExt cx="0" cy="0"/>
+        </a:xfrm>
+      </p:grpSpPr>
+      <p:sp>
+        <p:nvSpPr>
+          <p:cNvPr id="2" name="Slide Image Placeholder 1"/>
+          <p:cNvSpPr>
+            <a:spLocks noGrp="1" noRot="1" noChangeAspect="1"/>
+          </p:cNvSpPr>
+          <p:nvPr>
+            <p:ph type="sldImg"/>
+          </p:nvPr>
+        </p:nvSpPr>
+        <p:spPr/>
+      </p:sp>
+      <p:sp>
+        <p:nvSpPr>
+          <p:cNvPr id="3" name="Notes Placeholder 2"/>
+          <p:cNvSpPr>
+            <a:spLocks noGrp="1"/>
+          </p:cNvSpPr>
+          <p:nvPr>
+            <p:ph type="body" idx="1"/>
+          </p:nvPr>
+        </p:nvSpPr>
+        <p:spPr/>
+        <p:txBody>
+          <a:bodyPr/>
+          <a:lstStyle/>
+          <a:p>
+            <a:endParaRPr lang="en-US" dirty="0"/>
+          </a:p>
+        </p:txBody>
+      </p:sp>
+      <p:sp>
+        <p:nvSpPr>
+          <p:cNvPr id="4" name="Slide Number Placeholder 3"/>
+          <p:cNvSpPr>
+            <a:spLocks noGrp="1"/>
+          </p:cNvSpPr>
+          <p:nvPr>
+            <p:ph type="sldNum" sz="quarter" idx="5"/>
+          </p:nvPr>
+        </p:nvSpPr>
+        <p:spPr/>
+        <p:txBody>
+          <a:bodyPr/>
+          <a:lstStyle/>
+          <a:p>
+            <a:fld id="{6F2808A1-7FB0-8F49-B170-232F56A12191}" type="slidenum">
+              <a:rPr lang="en-US" smtClean="0"/>
+              <a:t>2</a:t>
+            </a:fld>
+            <a:endParaRPr lang="en-US"/>
+          </a:p>
+        </p:txBody>
+      </p:sp>
+    </p:spTree>
+    <p:extLst>
+      <p:ext uri="{BB962C8B-B14F-4D97-AF65-F5344CB8AC3E}">
+        <p14:creationId xmlns:p14="http://schemas.microsoft.com/office/powerpoint/2010/main" val="1124957281"/>
+      </p:ext>
+    </p:extLst>
+  </p:cSld>
+  <p:clrMapOvr>
+    <a:masterClrMapping/>
+  </p:clrMapOvr>
+</p:notes>
+</file>
+
+<file path=ppt/notesSlides/notesSlide3.xml><?xml version="1.0" encoding="utf-8"?>
+<p:notes xmlns:a="http://schemas.openxmlformats.org/drawingml/2006/main" xmlns:r="http://schemas.openxmlformats.org/officeDocument/2006/relationships" xmlns:p="http://schemas.openxmlformats.org/presentationml/2006/main">
+  <p:cSld>
+    <p:spTree>
+      <p:nvGrpSpPr>
+        <p:cNvPr id="1" name=""/>
+        <p:cNvGrpSpPr/>
+        <p:nvPr/>
+      </p:nvGrpSpPr>
+      <p:grpSpPr>
+        <a:xfrm>
+          <a:off x="0" y="0"/>
+          <a:ext cx="0" cy="0"/>
+          <a:chOff x="0" y="0"/>
+          <a:chExt cx="0" cy="0"/>
+        </a:xfrm>
+      </p:grpSpPr>
+      <p:sp>
+        <p:nvSpPr>
+          <p:cNvPr id="2" name="Slide Image Placeholder 1"/>
+          <p:cNvSpPr>
+            <a:spLocks noGrp="1" noRot="1" noChangeAspect="1"/>
+          </p:cNvSpPr>
+          <p:nvPr>
+            <p:ph type="sldImg"/>
+          </p:nvPr>
+        </p:nvSpPr>
+        <p:spPr/>
+      </p:sp>
+      <p:sp>
+        <p:nvSpPr>
+          <p:cNvPr id="3" name="Notes Placeholder 2"/>
+          <p:cNvSpPr>
+            <a:spLocks noGrp="1"/>
+          </p:cNvSpPr>
+          <p:nvPr>
+            <p:ph type="body" idx="1"/>
+          </p:nvPr>
+        </p:nvSpPr>
+        <p:spPr/>
+        <p:txBody>
+          <a:bodyPr/>
+          <a:lstStyle/>
+          <a:p>
+            <a:endParaRPr lang="en-US" dirty="0"/>
+          </a:p>
+        </p:txBody>
+      </p:sp>
+      <p:sp>
+        <p:nvSpPr>
+          <p:cNvPr id="4" name="Slide Number Placeholder 3"/>
+          <p:cNvSpPr>
+            <a:spLocks noGrp="1"/>
+          </p:cNvSpPr>
+          <p:nvPr>
+            <p:ph type="sldNum" sz="quarter" idx="5"/>
+          </p:nvPr>
+        </p:nvSpPr>
+        <p:spPr/>
+        <p:txBody>
+          <a:bodyPr/>
+          <a:lstStyle/>
+          <a:p>
+            <a:fld id="{6F2808A1-7FB0-8F49-B170-232F56A12191}" type="slidenum">
+              <a:rPr lang="en-US" smtClean="0"/>
+              <a:t>6</a:t>
             </a:fld>
             <a:endParaRPr lang="en-US"/>
           </a:p>
@@ -6651,6 +6820,508 @@
   <p:cSld>
     <p:bg>
       <p:bgPr>
+        <a:solidFill>
+          <a:schemeClr val="bg1"/>
+        </a:solidFill>
+        <a:effectLst/>
+      </p:bgPr>
+    </p:bg>
+    <p:spTree>
+      <p:nvGrpSpPr>
+        <p:cNvPr id="1" name=""/>
+        <p:cNvGrpSpPr/>
+        <p:nvPr/>
+      </p:nvGrpSpPr>
+      <p:grpSpPr>
+        <a:xfrm>
+          <a:off x="0" y="0"/>
+          <a:ext cx="0" cy="0"/>
+          <a:chOff x="0" y="0"/>
+          <a:chExt cx="0" cy="0"/>
+        </a:xfrm>
+      </p:grpSpPr>
+      <p:sp>
+        <p:nvSpPr>
+          <p:cNvPr id="45" name="Rectangle 44">
+            <a:extLst>
+              <a:ext uri="{FF2B5EF4-FFF2-40B4-BE49-F238E27FC236}">
+                <a16:creationId xmlns:a16="http://schemas.microsoft.com/office/drawing/2014/main" id="{333F0879-3DA0-4CB8-B35E-A0AD42558191}"/>
+              </a:ext>
+              <a:ext uri="{C183D7F6-B498-43B3-948B-1728B52AA6E4}">
+                <adec:decorative xmlns:adec="http://schemas.microsoft.com/office/drawing/2017/decorative" val="1"/>
+              </a:ext>
+            </a:extLst>
+          </p:cNvPr>
+          <p:cNvSpPr>
+            <a:spLocks noGrp="1" noRot="1" noChangeAspect="1" noMove="1" noResize="1" noEditPoints="1" noAdjustHandles="1" noChangeArrowheads="1" noChangeShapeType="1" noTextEdit="1"/>
+          </p:cNvSpPr>
+          <p:nvPr>
+            <p:extLst>
+              <p:ext uri="{386F3935-93C4-4BCD-93E2-E3B085C9AB24}">
+                <p16:designElem xmlns:p16="http://schemas.microsoft.com/office/powerpoint/2015/main" val="1"/>
+              </p:ext>
+            </p:extLst>
+          </p:nvPr>
+        </p:nvSpPr>
+        <p:spPr>
+          <a:xfrm>
+            <a:off x="0" y="2"/>
+            <a:ext cx="12188952" cy="6858000"/>
+          </a:xfrm>
+          <a:prstGeom prst="rect">
+            <a:avLst/>
+          </a:prstGeom>
+          <a:ln>
+            <a:noFill/>
+          </a:ln>
+        </p:spPr>
+        <p:style>
+          <a:lnRef idx="2">
+            <a:schemeClr val="accent1">
+              <a:shade val="50000"/>
+            </a:schemeClr>
+          </a:lnRef>
+          <a:fillRef idx="1003">
+            <a:schemeClr val="lt1"/>
+          </a:fillRef>
+          <a:effectRef idx="0">
+            <a:schemeClr val="accent1"/>
+          </a:effectRef>
+          <a:fontRef idx="minor">
+            <a:schemeClr val="lt1"/>
+          </a:fontRef>
+        </p:style>
+        <p:txBody>
+          <a:bodyPr rtlCol="0" anchor="ctr"/>
+          <a:lstStyle/>
+          <a:p>
+            <a:pPr algn="ctr"/>
+            <a:endParaRPr lang="en-US"/>
+          </a:p>
+        </p:txBody>
+      </p:sp>
+      <p:sp>
+        <p:nvSpPr>
+          <p:cNvPr id="47" name="Rectangle 46">
+            <a:extLst>
+              <a:ext uri="{FF2B5EF4-FFF2-40B4-BE49-F238E27FC236}">
+                <a16:creationId xmlns:a16="http://schemas.microsoft.com/office/drawing/2014/main" id="{324D2183-F388-476E-92A9-D6639D698580}"/>
+              </a:ext>
+              <a:ext uri="{C183D7F6-B498-43B3-948B-1728B52AA6E4}">
+                <adec:decorative xmlns:adec="http://schemas.microsoft.com/office/drawing/2017/decorative" val="1"/>
+              </a:ext>
+            </a:extLst>
+          </p:cNvPr>
+          <p:cNvSpPr>
+            <a:spLocks noGrp="1" noRot="1" noChangeAspect="1" noMove="1" noResize="1" noEditPoints="1" noAdjustHandles="1" noChangeArrowheads="1" noChangeShapeType="1" noTextEdit="1"/>
+          </p:cNvSpPr>
+          <p:nvPr>
+            <p:extLst>
+              <p:ext uri="{386F3935-93C4-4BCD-93E2-E3B085C9AB24}">
+                <p16:designElem xmlns:p16="http://schemas.microsoft.com/office/powerpoint/2015/main" val="1"/>
+              </p:ext>
+            </p:extLst>
+          </p:nvPr>
+        </p:nvSpPr>
+        <p:spPr>
+          <a:xfrm>
+            <a:off x="486138" y="496090"/>
+            <a:ext cx="3823215" cy="5883295"/>
+          </a:xfrm>
+          <a:prstGeom prst="rect">
+            <a:avLst/>
+          </a:prstGeom>
+          <a:blipFill dpi="0" rotWithShape="1">
+            <a:blip r:embed="rId2"/>
+            <a:srcRect/>
+            <a:tile tx="0" ty="0" sx="100000" sy="100000" flip="none" algn="tl"/>
+          </a:blipFill>
+          <a:ln>
+            <a:noFill/>
+          </a:ln>
+          <a:effectLst>
+            <a:outerShdw blurRad="114300" dist="127000" dir="5400000" sx="99000" sy="99000" algn="t" rotWithShape="0">
+              <a:prstClr val="black">
+                <a:alpha val="40000"/>
+              </a:prstClr>
+            </a:outerShdw>
+          </a:effectLst>
+          <a:scene3d>
+            <a:camera prst="orthographicFront"/>
+            <a:lightRig rig="twoPt" dir="t"/>
+          </a:scene3d>
+          <a:sp3d contourW="6350">
+            <a:bevelT w="12700" h="0" prst="coolSlant"/>
+            <a:contourClr>
+              <a:schemeClr val="bg2"/>
+            </a:contourClr>
+          </a:sp3d>
+        </p:spPr>
+        <p:style>
+          <a:lnRef idx="2">
+            <a:schemeClr val="accent1">
+              <a:shade val="50000"/>
+            </a:schemeClr>
+          </a:lnRef>
+          <a:fillRef idx="1">
+            <a:schemeClr val="accent1"/>
+          </a:fillRef>
+          <a:effectRef idx="0">
+            <a:schemeClr val="accent1"/>
+          </a:effectRef>
+          <a:fontRef idx="minor">
+            <a:schemeClr val="lt1"/>
+          </a:fontRef>
+        </p:style>
+        <p:txBody>
+          <a:bodyPr rtlCol="0" anchor="ctr"/>
+          <a:lstStyle/>
+          <a:p>
+            <a:pPr algn="ctr"/>
+            <a:endParaRPr lang="en-US"/>
+          </a:p>
+        </p:txBody>
+      </p:sp>
+      <p:sp>
+        <p:nvSpPr>
+          <p:cNvPr id="49" name="Rectangle 48">
+            <a:extLst>
+              <a:ext uri="{FF2B5EF4-FFF2-40B4-BE49-F238E27FC236}">
+                <a16:creationId xmlns:a16="http://schemas.microsoft.com/office/drawing/2014/main" id="{243462E7-1698-4B21-BE89-AEFAC7C2FEFA}"/>
+              </a:ext>
+              <a:ext uri="{C183D7F6-B498-43B3-948B-1728B52AA6E4}">
+                <adec:decorative xmlns:adec="http://schemas.microsoft.com/office/drawing/2017/decorative" val="1"/>
+              </a:ext>
+            </a:extLst>
+          </p:cNvPr>
+          <p:cNvSpPr>
+            <a:spLocks noGrp="1" noRot="1" noChangeAspect="1" noMove="1" noResize="1" noEditPoints="1" noAdjustHandles="1" noChangeArrowheads="1" noChangeShapeType="1" noTextEdit="1"/>
+          </p:cNvSpPr>
+          <p:nvPr>
+            <p:extLst>
+              <p:ext uri="{386F3935-93C4-4BCD-93E2-E3B085C9AB24}">
+                <p16:designElem xmlns:p16="http://schemas.microsoft.com/office/powerpoint/2015/main" val="1"/>
+              </p:ext>
+            </p:extLst>
+          </p:nvPr>
+        </p:nvSpPr>
+        <p:spPr>
+          <a:xfrm>
+            <a:off x="608012" y="609602"/>
+            <a:ext cx="3552006" cy="5638800"/>
+          </a:xfrm>
+          <a:prstGeom prst="rect">
+            <a:avLst/>
+          </a:prstGeom>
+          <a:noFill/>
+          <a:ln w="15875" cap="flat">
+            <a:miter lim="800000"/>
+          </a:ln>
+        </p:spPr>
+        <p:style>
+          <a:lnRef idx="1">
+            <a:schemeClr val="accent1"/>
+          </a:lnRef>
+          <a:fillRef idx="3">
+            <a:schemeClr val="accent1"/>
+          </a:fillRef>
+          <a:effectRef idx="2">
+            <a:schemeClr val="accent1"/>
+          </a:effectRef>
+          <a:fontRef idx="minor">
+            <a:schemeClr val="lt1"/>
+          </a:fontRef>
+        </p:style>
+      </p:sp>
+      <p:sp>
+        <p:nvSpPr>
+          <p:cNvPr id="2" name="Title 1">
+            <a:extLst>
+              <a:ext uri="{FF2B5EF4-FFF2-40B4-BE49-F238E27FC236}">
+                <a16:creationId xmlns:a16="http://schemas.microsoft.com/office/drawing/2014/main" id="{E94936D6-2F9D-3E48-AEA9-D0D2BA53B046}"/>
+              </a:ext>
+            </a:extLst>
+          </p:cNvPr>
+          <p:cNvSpPr>
+            <a:spLocks noGrp="1"/>
+          </p:cNvSpPr>
+          <p:nvPr>
+            <p:ph type="title"/>
+          </p:nvPr>
+        </p:nvSpPr>
+        <p:spPr>
+          <a:xfrm>
+            <a:off x="929140" y="972766"/>
+            <a:ext cx="2835464" cy="1254868"/>
+          </a:xfrm>
+        </p:spPr>
+        <p:txBody>
+          <a:bodyPr vert="horz" lIns="91440" tIns="45720" rIns="91440" bIns="45720" rtlCol="0" anchor="b">
+            <a:normAutofit/>
+          </a:bodyPr>
+          <a:lstStyle/>
+          <a:p>
+            <a:pPr marL="285750" indent="-285750">
+              <a:lnSpc>
+                <a:spcPct val="90000"/>
+              </a:lnSpc>
+            </a:pPr>
+            <a:r>
+              <a:rPr lang="en-US" sz="2200" dirty="0">
+                <a:solidFill>
+                  <a:srgbClr val="262626"/>
+                </a:solidFill>
+              </a:rPr>
+              <a:t>Based on the data the sales between 1995 – 2000 are low.</a:t>
+            </a:r>
+          </a:p>
+        </p:txBody>
+      </p:sp>
+      <p:sp>
+        <p:nvSpPr>
+          <p:cNvPr id="6" name="Title 1">
+            <a:extLst>
+              <a:ext uri="{FF2B5EF4-FFF2-40B4-BE49-F238E27FC236}">
+                <a16:creationId xmlns:a16="http://schemas.microsoft.com/office/drawing/2014/main" id="{01965744-7721-1042-BFBB-72E4CA130EDD}"/>
+              </a:ext>
+            </a:extLst>
+          </p:cNvPr>
+          <p:cNvSpPr txBox="1">
+            <a:spLocks/>
+          </p:cNvSpPr>
+          <p:nvPr/>
+        </p:nvSpPr>
+        <p:spPr>
+          <a:xfrm>
+            <a:off x="929141" y="2430471"/>
+            <a:ext cx="2835464" cy="3552039"/>
+          </a:xfrm>
+          <a:prstGeom prst="rect">
+            <a:avLst/>
+          </a:prstGeom>
+        </p:spPr>
+        <p:txBody>
+          <a:bodyPr vert="horz" lIns="91440" tIns="45720" rIns="91440" bIns="45720" rtlCol="0" anchor="t">
+            <a:normAutofit/>
+          </a:bodyPr>
+          <a:lstStyle>
+            <a:lvl1pPr algn="ctr" defTabSz="457200" rtl="0" eaLnBrk="1" latinLnBrk="0" hangingPunct="1">
+              <a:spcBef>
+                <a:spcPct val="0"/>
+              </a:spcBef>
+              <a:buNone/>
+              <a:defRPr sz="4400" kern="1200" cap="none">
+                <a:ln w="3175" cmpd="sng">
+                  <a:noFill/>
+                </a:ln>
+                <a:solidFill>
+                  <a:schemeClr val="tx1">
+                    <a:lumMod val="85000"/>
+                    <a:lumOff val="15000"/>
+                  </a:schemeClr>
+                </a:solidFill>
+                <a:effectLst/>
+                <a:latin typeface="+mj-lt"/>
+                <a:ea typeface="+mj-ea"/>
+                <a:cs typeface="+mj-cs"/>
+              </a:defRPr>
+            </a:lvl1pPr>
+            <a:lvl2pPr eaLnBrk="1" hangingPunct="1">
+              <a:defRPr>
+                <a:solidFill>
+                  <a:schemeClr val="tx2"/>
+                </a:solidFill>
+              </a:defRPr>
+            </a:lvl2pPr>
+            <a:lvl3pPr eaLnBrk="1" hangingPunct="1">
+              <a:defRPr>
+                <a:solidFill>
+                  <a:schemeClr val="tx2"/>
+                </a:solidFill>
+              </a:defRPr>
+            </a:lvl3pPr>
+            <a:lvl4pPr eaLnBrk="1" hangingPunct="1">
+              <a:defRPr>
+                <a:solidFill>
+                  <a:schemeClr val="tx2"/>
+                </a:solidFill>
+              </a:defRPr>
+            </a:lvl4pPr>
+            <a:lvl5pPr eaLnBrk="1" hangingPunct="1">
+              <a:defRPr>
+                <a:solidFill>
+                  <a:schemeClr val="tx2"/>
+                </a:solidFill>
+              </a:defRPr>
+            </a:lvl5pPr>
+            <a:lvl6pPr eaLnBrk="1" hangingPunct="1">
+              <a:defRPr>
+                <a:solidFill>
+                  <a:schemeClr val="tx2"/>
+                </a:solidFill>
+              </a:defRPr>
+            </a:lvl6pPr>
+            <a:lvl7pPr eaLnBrk="1" hangingPunct="1">
+              <a:defRPr>
+                <a:solidFill>
+                  <a:schemeClr val="tx2"/>
+                </a:solidFill>
+              </a:defRPr>
+            </a:lvl7pPr>
+            <a:lvl8pPr eaLnBrk="1" hangingPunct="1">
+              <a:defRPr>
+                <a:solidFill>
+                  <a:schemeClr val="tx2"/>
+                </a:solidFill>
+              </a:defRPr>
+            </a:lvl8pPr>
+            <a:lvl9pPr eaLnBrk="1" hangingPunct="1">
+              <a:defRPr>
+                <a:solidFill>
+                  <a:schemeClr val="tx2"/>
+                </a:solidFill>
+              </a:defRPr>
+            </a:lvl9pPr>
+          </a:lstStyle>
+          <a:p>
+            <a:pPr marL="285750" indent="-285750" algn="l">
+              <a:spcBef>
+                <a:spcPct val="20000"/>
+              </a:spcBef>
+              <a:spcAft>
+                <a:spcPts val="600"/>
+              </a:spcAft>
+              <a:buClr>
+                <a:schemeClr val="accent1"/>
+              </a:buClr>
+              <a:buSzPct val="115000"/>
+              <a:buFont typeface="Arial"/>
+              <a:buChar char="•"/>
+            </a:pPr>
+            <a:r>
+              <a:rPr lang="en-US" sz="1800" dirty="0">
+                <a:solidFill>
+                  <a:srgbClr val="262626"/>
+                </a:solidFill>
+                <a:latin typeface="+mn-lt"/>
+                <a:ea typeface="+mn-ea"/>
+                <a:cs typeface="+mn-cs"/>
+              </a:rPr>
+              <a:t>We may need to investigate this trend and see how this CANNOT happen again.</a:t>
+            </a:r>
+          </a:p>
+        </p:txBody>
+      </p:sp>
+      <p:sp useBgFill="1">
+        <p:nvSpPr>
+          <p:cNvPr id="51" name="Rectangle 50">
+            <a:extLst>
+              <a:ext uri="{FF2B5EF4-FFF2-40B4-BE49-F238E27FC236}">
+                <a16:creationId xmlns:a16="http://schemas.microsoft.com/office/drawing/2014/main" id="{6C22FCAC-D7EC-4A52-B153-FF761E2235B3}"/>
+              </a:ext>
+              <a:ext uri="{C183D7F6-B498-43B3-948B-1728B52AA6E4}">
+                <adec:decorative xmlns:adec="http://schemas.microsoft.com/office/drawing/2017/decorative" val="1"/>
+              </a:ext>
+            </a:extLst>
+          </p:cNvPr>
+          <p:cNvSpPr>
+            <a:spLocks noGrp="1" noRot="1" noChangeAspect="1" noMove="1" noResize="1" noEditPoints="1" noAdjustHandles="1" noChangeArrowheads="1" noChangeShapeType="1" noTextEdit="1"/>
+          </p:cNvSpPr>
+          <p:nvPr>
+            <p:extLst>
+              <p:ext uri="{386F3935-93C4-4BCD-93E2-E3B085C9AB24}">
+                <p16:designElem xmlns:p16="http://schemas.microsoft.com/office/powerpoint/2015/main" val="1"/>
+              </p:ext>
+            </p:extLst>
+          </p:nvPr>
+        </p:nvSpPr>
+        <p:spPr>
+          <a:xfrm>
+            <a:off x="4795491" y="0"/>
+            <a:ext cx="7396509" cy="6858002"/>
+          </a:xfrm>
+          <a:prstGeom prst="rect">
+            <a:avLst/>
+          </a:prstGeom>
+          <a:ln>
+            <a:noFill/>
+          </a:ln>
+        </p:spPr>
+        <p:style>
+          <a:lnRef idx="2">
+            <a:schemeClr val="accent1">
+              <a:shade val="50000"/>
+            </a:schemeClr>
+          </a:lnRef>
+          <a:fillRef idx="1">
+            <a:schemeClr val="accent1"/>
+          </a:fillRef>
+          <a:effectRef idx="0">
+            <a:schemeClr val="accent1"/>
+          </a:effectRef>
+          <a:fontRef idx="minor">
+            <a:schemeClr val="lt1"/>
+          </a:fontRef>
+        </p:style>
+        <p:txBody>
+          <a:bodyPr rtlCol="0" anchor="ctr"/>
+          <a:lstStyle/>
+          <a:p>
+            <a:pPr algn="ctr"/>
+            <a:endParaRPr lang="en-US"/>
+          </a:p>
+        </p:txBody>
+      </p:sp>
+      <p:pic>
+        <p:nvPicPr>
+          <p:cNvPr id="32" name="Content Placeholder 31" descr="Chart&#10;&#10;Description automatically generated with medium confidence">
+            <a:extLst>
+              <a:ext uri="{FF2B5EF4-FFF2-40B4-BE49-F238E27FC236}">
+                <a16:creationId xmlns:a16="http://schemas.microsoft.com/office/drawing/2014/main" id="{EDEF1FC7-B599-314A-B35C-AC847275003F}"/>
+              </a:ext>
+            </a:extLst>
+          </p:cNvPr>
+          <p:cNvPicPr>
+            <a:picLocks noGrp="1" noChangeAspect="1"/>
+          </p:cNvPicPr>
+          <p:nvPr>
+            <p:ph idx="1"/>
+          </p:nvPr>
+        </p:nvPicPr>
+        <p:blipFill>
+          <a:blip r:embed="rId3"/>
+          <a:stretch>
+            <a:fillRect/>
+          </a:stretch>
+        </p:blipFill>
+        <p:spPr>
+          <a:xfrm>
+            <a:off x="5612051" y="609602"/>
+            <a:ext cx="5745758" cy="5587749"/>
+          </a:xfrm>
+          <a:prstGeom prst="rect">
+            <a:avLst/>
+          </a:prstGeom>
+        </p:spPr>
+      </p:pic>
+    </p:spTree>
+    <p:extLst>
+      <p:ext uri="{BB962C8B-B14F-4D97-AF65-F5344CB8AC3E}">
+        <p14:creationId xmlns:p14="http://schemas.microsoft.com/office/powerpoint/2010/main" val="1561050041"/>
+      </p:ext>
+    </p:extLst>
+  </p:cSld>
+  <p:clrMapOvr>
+    <a:masterClrMapping/>
+  </p:clrMapOvr>
+</p:sld>
+</file>
+
+<file path=ppt/slides/slide4.xml><?xml version="1.0" encoding="utf-8"?>
+<p:sld xmlns:a="http://schemas.openxmlformats.org/drawingml/2006/main" xmlns:r="http://schemas.openxmlformats.org/officeDocument/2006/relationships" xmlns:p="http://schemas.openxmlformats.org/presentationml/2006/main">
+  <p:cSld>
+    <p:bg>
+      <p:bgPr>
         <a:blipFill>
           <a:blip r:embed="rId2"/>
           <a:stretch/>
@@ -7279,7 +7950,7 @@
     </p:spTree>
     <p:extLst>
       <p:ext uri="{BB962C8B-B14F-4D97-AF65-F5344CB8AC3E}">
-        <p14:creationId xmlns:p14="http://schemas.microsoft.com/office/powerpoint/2010/main" val="1561050041"/>
+        <p14:creationId xmlns:p14="http://schemas.microsoft.com/office/powerpoint/2010/main" val="1217673698"/>
       </p:ext>
     </p:extLst>
   </p:cSld>
@@ -7289,7 +7960,7 @@
 </p:sld>
 </file>
 
-<file path=ppt/slides/slide4.xml><?xml version="1.0" encoding="utf-8"?>
+<file path=ppt/slides/slide5.xml><?xml version="1.0" encoding="utf-8"?>
 <p:sld xmlns:a="http://schemas.openxmlformats.org/drawingml/2006/main" xmlns:r="http://schemas.openxmlformats.org/officeDocument/2006/relationships" xmlns:p="http://schemas.openxmlformats.org/presentationml/2006/main">
   <p:cSld>
     <p:bg>
@@ -8016,7 +8687,7 @@
 </p:sld>
 </file>
 
-<file path=ppt/slides/slide5.xml><?xml version="1.0" encoding="utf-8"?>
+<file path=ppt/slides/slide6.xml><?xml version="1.0" encoding="utf-8"?>
 <p:sld xmlns:a="http://schemas.openxmlformats.org/drawingml/2006/main" xmlns:r="http://schemas.openxmlformats.org/officeDocument/2006/relationships" xmlns:p="http://schemas.openxmlformats.org/presentationml/2006/main">
   <p:cSld>
     <p:spTree>
@@ -8248,7 +8919,7 @@
 </p:sld>
 </file>
 
-<file path=ppt/slides/slide6.xml><?xml version="1.0" encoding="utf-8"?>
+<file path=ppt/slides/slide7.xml><?xml version="1.0" encoding="utf-8"?>
 <p:sld xmlns:a="http://schemas.openxmlformats.org/drawingml/2006/main" xmlns:r="http://schemas.openxmlformats.org/officeDocument/2006/relationships" xmlns:p="http://schemas.openxmlformats.org/presentationml/2006/main">
   <p:cSld>
     <p:spTree>
